--- a/Images/Images.pptx
+++ b/Images/Images.pptx
@@ -105,6 +105,11 @@
       </a:defRPr>
     </a:lvl9pPr>
   </p:defaultTextStyle>
+  <p:extLst>
+    <p:ext uri="{EFAFB233-063F-42B5-8137-9DF3F51BA10A}">
+      <p15:sldGuideLst xmlns:p15="http://schemas.microsoft.com/office/powerpoint/2012/main"/>
+    </p:ext>
+  </p:extLst>
 </p:presentation>
 </file>
 
@@ -3363,8 +3368,8 @@
             <a:chExt cx="10345270" cy="2115671"/>
           </a:xfrm>
         </p:grpSpPr>
-        <mc:AlternateContent xmlns:mc="http://schemas.openxmlformats.org/markup-compatibility/2006">
-          <mc:Choice xmlns:a14="http://schemas.microsoft.com/office/drawing/2010/main" Requires="a14">
+        <mc:AlternateContent xmlns:mc="http://schemas.openxmlformats.org/markup-compatibility/2006" xmlns:a14="http://schemas.microsoft.com/office/drawing/2010/main">
+          <mc:Choice Requires="a14">
             <p:sp>
               <p:nvSpPr>
                 <p:cNvPr id="2" name="Rectangle 1">
@@ -3546,7 +3551,7 @@
               </p:txBody>
             </p:sp>
           </mc:Choice>
-          <mc:Fallback>
+          <mc:Fallback xmlns="">
             <p:sp>
               <p:nvSpPr>
                 <p:cNvPr id="2" name="Rectangle 1">
@@ -4146,8 +4151,8 @@
             </a:fontRef>
           </p:style>
         </p:cxnSp>
-        <mc:AlternateContent xmlns:mc="http://schemas.openxmlformats.org/markup-compatibility/2006">
-          <mc:Choice xmlns:a14="http://schemas.microsoft.com/office/drawing/2010/main" Requires="a14">
+        <mc:AlternateContent xmlns:mc="http://schemas.openxmlformats.org/markup-compatibility/2006" xmlns:a14="http://schemas.microsoft.com/office/drawing/2010/main">
+          <mc:Choice Requires="a14">
             <p:sp>
               <p:nvSpPr>
                 <p:cNvPr id="25" name="TextBox 24">
@@ -4176,6 +4181,7 @@
                 </a:bodyPr>
                 <a:lstStyle/>
                 <a:p>
+                  <a:pPr/>
                   <a14:m>
                     <m:oMathPara xmlns:m="http://schemas.openxmlformats.org/officeDocument/2006/math">
                       <m:oMathParaPr>
@@ -4239,7 +4245,7 @@
               </p:txBody>
             </p:sp>
           </mc:Choice>
-          <mc:Fallback>
+          <mc:Fallback xmlns="">
             <p:sp>
               <p:nvSpPr>
                 <p:cNvPr id="25" name="TextBox 24">
@@ -4284,8 +4290,8 @@
             </p:sp>
           </mc:Fallback>
         </mc:AlternateContent>
-        <mc:AlternateContent xmlns:mc="http://schemas.openxmlformats.org/markup-compatibility/2006">
-          <mc:Choice xmlns:a14="http://schemas.microsoft.com/office/drawing/2010/main" Requires="a14">
+        <mc:AlternateContent xmlns:mc="http://schemas.openxmlformats.org/markup-compatibility/2006" xmlns:a14="http://schemas.microsoft.com/office/drawing/2010/main">
+          <mc:Choice Requires="a14">
             <p:sp>
               <p:nvSpPr>
                 <p:cNvPr id="26" name="TextBox 25">
@@ -4314,6 +4320,7 @@
                 </a:bodyPr>
                 <a:lstStyle/>
                 <a:p>
+                  <a:pPr/>
                   <a14:m>
                     <m:oMathPara xmlns:m="http://schemas.openxmlformats.org/officeDocument/2006/math">
                       <m:oMathParaPr>
@@ -4356,7 +4363,7 @@
               </p:txBody>
             </p:sp>
           </mc:Choice>
-          <mc:Fallback>
+          <mc:Fallback xmlns="">
             <p:sp>
               <p:nvSpPr>
                 <p:cNvPr id="26" name="TextBox 25">
@@ -4401,8 +4408,8 @@
             </p:sp>
           </mc:Fallback>
         </mc:AlternateContent>
-        <mc:AlternateContent xmlns:mc="http://schemas.openxmlformats.org/markup-compatibility/2006">
-          <mc:Choice xmlns:a14="http://schemas.microsoft.com/office/drawing/2010/main" Requires="a14">
+        <mc:AlternateContent xmlns:mc="http://schemas.openxmlformats.org/markup-compatibility/2006" xmlns:a14="http://schemas.microsoft.com/office/drawing/2010/main">
+          <mc:Choice Requires="a14">
             <p:sp>
               <p:nvSpPr>
                 <p:cNvPr id="27" name="TextBox 26">
@@ -4431,6 +4438,7 @@
                 </a:bodyPr>
                 <a:lstStyle/>
                 <a:p>
+                  <a:pPr/>
                   <a14:m>
                     <m:oMathPara xmlns:m="http://schemas.openxmlformats.org/officeDocument/2006/math">
                       <m:oMathParaPr>
@@ -4469,7 +4477,7 @@
               </p:txBody>
             </p:sp>
           </mc:Choice>
-          <mc:Fallback>
+          <mc:Fallback xmlns="">
             <p:sp>
               <p:nvSpPr>
                 <p:cNvPr id="27" name="TextBox 26">
@@ -4587,8 +4595,8 @@
             </a:p>
           </p:txBody>
         </p:sp>
-        <mc:AlternateContent xmlns:mc="http://schemas.openxmlformats.org/markup-compatibility/2006">
-          <mc:Choice xmlns:a14="http://schemas.microsoft.com/office/drawing/2010/main" Requires="a14">
+        <mc:AlternateContent xmlns:mc="http://schemas.openxmlformats.org/markup-compatibility/2006" xmlns:a14="http://schemas.microsoft.com/office/drawing/2010/main">
+          <mc:Choice Requires="a14">
             <p:sp>
               <p:nvSpPr>
                 <p:cNvPr id="31" name="TextBox 30">
@@ -4617,6 +4625,7 @@
                 </a:bodyPr>
                 <a:lstStyle/>
                 <a:p>
+                  <a:pPr/>
                   <a14:m>
                     <m:oMathPara xmlns:m="http://schemas.openxmlformats.org/officeDocument/2006/math">
                       <m:oMathParaPr>
@@ -4725,7 +4734,7 @@
               </p:txBody>
             </p:sp>
           </mc:Choice>
-          <mc:Fallback>
+          <mc:Fallback xmlns="">
             <p:sp>
               <p:nvSpPr>
                 <p:cNvPr id="31" name="TextBox 30">
@@ -4852,8 +4861,8 @@
             </a:fontRef>
           </p:style>
         </p:cxnSp>
-        <mc:AlternateContent xmlns:mc="http://schemas.openxmlformats.org/markup-compatibility/2006">
-          <mc:Choice xmlns:a14="http://schemas.microsoft.com/office/drawing/2010/main" Requires="a14">
+        <mc:AlternateContent xmlns:mc="http://schemas.openxmlformats.org/markup-compatibility/2006" xmlns:a14="http://schemas.microsoft.com/office/drawing/2010/main">
+          <mc:Choice Requires="a14">
             <p:sp>
               <p:nvSpPr>
                 <p:cNvPr id="35" name="TextBox 34">
@@ -4882,6 +4891,7 @@
                 </a:bodyPr>
                 <a:lstStyle/>
                 <a:p>
+                  <a:pPr/>
                   <a14:m>
                     <m:oMathPara xmlns:m="http://schemas.openxmlformats.org/officeDocument/2006/math">
                       <m:oMathParaPr>
@@ -4920,7 +4930,7 @@
               </p:txBody>
             </p:sp>
           </mc:Choice>
-          <mc:Fallback>
+          <mc:Fallback xmlns="">
             <p:sp>
               <p:nvSpPr>
                 <p:cNvPr id="35" name="TextBox 34">
@@ -4965,8 +4975,8 @@
             </p:sp>
           </mc:Fallback>
         </mc:AlternateContent>
-        <mc:AlternateContent xmlns:mc="http://schemas.openxmlformats.org/markup-compatibility/2006">
-          <mc:Choice xmlns:a14="http://schemas.microsoft.com/office/drawing/2010/main" Requires="a14">
+        <mc:AlternateContent xmlns:mc="http://schemas.openxmlformats.org/markup-compatibility/2006" xmlns:a14="http://schemas.microsoft.com/office/drawing/2010/main">
+          <mc:Choice Requires="a14">
             <p:sp>
               <p:nvSpPr>
                 <p:cNvPr id="36" name="TextBox 35">
@@ -4995,6 +5005,7 @@
                 </a:bodyPr>
                 <a:lstStyle/>
                 <a:p>
+                  <a:pPr/>
                   <a14:m>
                     <m:oMathPara xmlns:m="http://schemas.openxmlformats.org/officeDocument/2006/math">
                       <m:oMathParaPr>
@@ -5037,7 +5048,7 @@
               </p:txBody>
             </p:sp>
           </mc:Choice>
-          <mc:Fallback>
+          <mc:Fallback xmlns="">
             <p:sp>
               <p:nvSpPr>
                 <p:cNvPr id="36" name="TextBox 35">
@@ -5405,8 +5416,8 @@
             </a:p>
           </p:txBody>
         </p:sp>
-        <mc:AlternateContent xmlns:mc="http://schemas.openxmlformats.org/markup-compatibility/2006">
-          <mc:Choice xmlns:a14="http://schemas.microsoft.com/office/drawing/2010/main" Requires="a14">
+        <mc:AlternateContent xmlns:mc="http://schemas.openxmlformats.org/markup-compatibility/2006" xmlns:a14="http://schemas.microsoft.com/office/drawing/2010/main">
+          <mc:Choice Requires="a14">
             <p:sp>
               <p:nvSpPr>
                 <p:cNvPr id="9" name="Rectangle 8">
@@ -5616,7 +5627,7 @@
               </p:txBody>
             </p:sp>
           </mc:Choice>
-          <mc:Fallback>
+          <mc:Fallback xmlns="">
             <p:sp>
               <p:nvSpPr>
                 <p:cNvPr id="9" name="Rectangle 8">
@@ -5845,8 +5856,8 @@
             </a:fontRef>
           </p:style>
         </p:cxnSp>
-        <mc:AlternateContent xmlns:mc="http://schemas.openxmlformats.org/markup-compatibility/2006">
-          <mc:Choice xmlns:a14="http://schemas.microsoft.com/office/drawing/2010/main" Requires="a14">
+        <mc:AlternateContent xmlns:mc="http://schemas.openxmlformats.org/markup-compatibility/2006" xmlns:a14="http://schemas.microsoft.com/office/drawing/2010/main">
+          <mc:Choice Requires="a14">
             <p:sp>
               <p:nvSpPr>
                 <p:cNvPr id="18" name="TextBox 17">
@@ -5875,6 +5886,7 @@
                 </a:bodyPr>
                 <a:lstStyle/>
                 <a:p>
+                  <a:pPr/>
                   <a14:m>
                     <m:oMathPara xmlns:m="http://schemas.openxmlformats.org/officeDocument/2006/math">
                       <m:oMathParaPr>
@@ -5914,7 +5926,7 @@
               </p:txBody>
             </p:sp>
           </mc:Choice>
-          <mc:Fallback>
+          <mc:Fallback xmlns="">
             <p:sp>
               <p:nvSpPr>
                 <p:cNvPr id="18" name="TextBox 17">
@@ -6102,8 +6114,8 @@
             </a:fontRef>
           </p:style>
         </p:cxnSp>
-        <mc:AlternateContent xmlns:mc="http://schemas.openxmlformats.org/markup-compatibility/2006">
-          <mc:Choice xmlns:a14="http://schemas.microsoft.com/office/drawing/2010/main" Requires="a14">
+        <mc:AlternateContent xmlns:mc="http://schemas.openxmlformats.org/markup-compatibility/2006" xmlns:a14="http://schemas.microsoft.com/office/drawing/2010/main">
+          <mc:Choice Requires="a14">
             <p:sp>
               <p:nvSpPr>
                 <p:cNvPr id="23" name="TextBox 22">
@@ -6132,6 +6144,7 @@
                 </a:bodyPr>
                 <a:lstStyle/>
                 <a:p>
+                  <a:pPr/>
                   <a14:m>
                     <m:oMathPara xmlns:m="http://schemas.openxmlformats.org/officeDocument/2006/math">
                       <m:oMathParaPr>
@@ -6174,7 +6187,7 @@
               </p:txBody>
             </p:sp>
           </mc:Choice>
-          <mc:Fallback>
+          <mc:Fallback xmlns="">
             <p:sp>
               <p:nvSpPr>
                 <p:cNvPr id="23" name="TextBox 22">
@@ -6265,8 +6278,8 @@
             </a:fontRef>
           </p:style>
         </p:cxnSp>
-        <mc:AlternateContent xmlns:mc="http://schemas.openxmlformats.org/markup-compatibility/2006">
-          <mc:Choice xmlns:a14="http://schemas.microsoft.com/office/drawing/2010/main" Requires="a14">
+        <mc:AlternateContent xmlns:mc="http://schemas.openxmlformats.org/markup-compatibility/2006" xmlns:a14="http://schemas.microsoft.com/office/drawing/2010/main">
+          <mc:Choice Requires="a14">
             <p:sp>
               <p:nvSpPr>
                 <p:cNvPr id="27" name="TextBox 26">
@@ -6295,6 +6308,7 @@
                 </a:bodyPr>
                 <a:lstStyle/>
                 <a:p>
+                  <a:pPr/>
                   <a14:m>
                     <m:oMathPara xmlns:m="http://schemas.openxmlformats.org/officeDocument/2006/math">
                       <m:oMathParaPr>
@@ -6422,7 +6436,7 @@
               </p:txBody>
             </p:sp>
           </mc:Choice>
-          <mc:Fallback>
+          <mc:Fallback xmlns="">
             <p:sp>
               <p:nvSpPr>
                 <p:cNvPr id="27" name="TextBox 26">
